--- a/PPT/Robust_Median_Reversion_Strategy_V3.pptx
+++ b/PPT/Robust_Median_Reversion_Strategy_V3.pptx
@@ -14,15 +14,15 @@
     <p:sldId id="294" r:id="rId5"/>
     <p:sldId id="259" r:id="rId6"/>
     <p:sldId id="258" r:id="rId7"/>
-    <p:sldId id="268" r:id="rId8"/>
-    <p:sldId id="260" r:id="rId9"/>
-    <p:sldId id="261" r:id="rId10"/>
-    <p:sldId id="262" r:id="rId11"/>
-    <p:sldId id="263" r:id="rId12"/>
-    <p:sldId id="264" r:id="rId13"/>
-    <p:sldId id="265" r:id="rId14"/>
-    <p:sldId id="267" r:id="rId15"/>
-    <p:sldId id="269" r:id="rId16"/>
+    <p:sldId id="260" r:id="rId8"/>
+    <p:sldId id="261" r:id="rId9"/>
+    <p:sldId id="262" r:id="rId10"/>
+    <p:sldId id="263" r:id="rId11"/>
+    <p:sldId id="264" r:id="rId12"/>
+    <p:sldId id="265" r:id="rId13"/>
+    <p:sldId id="267" r:id="rId14"/>
+    <p:sldId id="269" r:id="rId15"/>
+    <p:sldId id="268" r:id="rId16"/>
     <p:sldId id="270" r:id="rId17"/>
     <p:sldId id="271" r:id="rId18"/>
     <p:sldId id="266" r:id="rId19"/>
@@ -4169,620 +4169,6 @@
         </p:nvSpPr>
         <p:spPr>
           <a:xfrm>
-            <a:off x="838200" y="521324"/>
-            <a:ext cx="10515600" cy="519778"/>
-          </a:xfrm>
-        </p:spPr>
-        <p:txBody>
-          <a:bodyPr>
-            <a:noAutofit/>
-          </a:bodyPr>
-          <a:lstStyle/>
-          <a:p>
-            <a:r>
-              <a:rPr lang="en-US" sz="3600" b="1" dirty="0"/>
-              <a:t>Robust Mean Reversion (‘RMR’) – 2</a:t>
-            </a:r>
-            <a:r>
-              <a:rPr lang="en-US" sz="3600" b="1" baseline="30000" dirty="0"/>
-              <a:t>nd</a:t>
-            </a:r>
-            <a:r>
-              <a:rPr lang="en-US" sz="3600" b="1" dirty="0"/>
-              <a:t> Optimization Problem</a:t>
-            </a:r>
-          </a:p>
-        </p:txBody>
-      </p:sp>
-      <mc:AlternateContent xmlns:mc="http://schemas.openxmlformats.org/markup-compatibility/2006">
-        <mc:Choice xmlns:a14="http://schemas.microsoft.com/office/drawing/2010/main" Requires="a14">
-          <p:sp>
-            <p:nvSpPr>
-              <p:cNvPr id="3" name="Content Placeholder 2">
-                <a:extLst>
-                  <a:ext uri="{FF2B5EF4-FFF2-40B4-BE49-F238E27FC236}">
-                    <a16:creationId xmlns:a16="http://schemas.microsoft.com/office/drawing/2014/main" id="{D7C90E8F-C088-4454-A465-416E6238896F}"/>
-                  </a:ext>
-                </a:extLst>
-              </p:cNvPr>
-              <p:cNvSpPr>
-                <a:spLocks noGrp="1"/>
-              </p:cNvSpPr>
-              <p:nvPr>
-                <p:ph idx="1"/>
-              </p:nvPr>
-            </p:nvSpPr>
-            <p:spPr>
-              <a:xfrm>
-                <a:off x="838200" y="1437968"/>
-                <a:ext cx="10515600" cy="4738995"/>
-              </a:xfrm>
-            </p:spPr>
-            <p:txBody>
-              <a:bodyPr>
-                <a:normAutofit/>
-              </a:bodyPr>
-              <a:lstStyle/>
-              <a:p>
-                <a:r>
-                  <a:rPr lang="en-US" altLang="zh-CN" dirty="0"/>
-                  <a:t>Portfolio Vector</a:t>
-                </a:r>
-              </a:p>
-              <a:p>
-                <a:pPr lvl="2"/>
-                <a14:m>
-                  <m:oMath xmlns:m="http://schemas.openxmlformats.org/officeDocument/2006/math">
-                    <m:sSub>
-                      <m:sSubPr>
-                        <m:ctrlPr>
-                          <a:rPr lang="en-US" b="0" i="1" smtClean="0">
-                            <a:latin typeface="Cambria Math" panose="02040503050406030204" pitchFamily="18" charset="0"/>
-                            <a:ea typeface="Cambria Math" panose="02040503050406030204" pitchFamily="18" charset="0"/>
-                          </a:rPr>
-                        </m:ctrlPr>
-                      </m:sSubPr>
-                      <m:e>
-                        <m:r>
-                          <a:rPr lang="en-US" b="0" i="1" smtClean="0">
-                            <a:latin typeface="Cambria Math" panose="02040503050406030204" pitchFamily="18" charset="0"/>
-                            <a:ea typeface="Cambria Math" panose="02040503050406030204" pitchFamily="18" charset="0"/>
-                          </a:rPr>
-                          <m:t>𝑏</m:t>
-                        </m:r>
-                      </m:e>
-                      <m:sub>
-                        <m:r>
-                          <a:rPr lang="en-US" b="0" i="1" smtClean="0">
-                            <a:latin typeface="Cambria Math" panose="02040503050406030204" pitchFamily="18" charset="0"/>
-                            <a:ea typeface="Cambria Math" panose="02040503050406030204" pitchFamily="18" charset="0"/>
-                          </a:rPr>
-                          <m:t>𝑡</m:t>
-                        </m:r>
-                        <m:r>
-                          <a:rPr lang="en-US" b="0" i="1" smtClean="0">
-                            <a:latin typeface="Cambria Math" panose="02040503050406030204" pitchFamily="18" charset="0"/>
-                            <a:ea typeface="Cambria Math" panose="02040503050406030204" pitchFamily="18" charset="0"/>
-                          </a:rPr>
-                          <m:t>+1</m:t>
-                        </m:r>
-                      </m:sub>
-                    </m:sSub>
-                    <m:r>
-                      <a:rPr lang="en-US" b="0" i="1" smtClean="0">
-                        <a:latin typeface="Cambria Math" panose="02040503050406030204" pitchFamily="18" charset="0"/>
-                        <a:ea typeface="Cambria Math" panose="02040503050406030204" pitchFamily="18" charset="0"/>
-                      </a:rPr>
-                      <m:t>= </m:t>
-                    </m:r>
-                    <m:sSub>
-                      <m:sSubPr>
-                        <m:ctrlPr>
-                          <a:rPr lang="en-US" b="0" i="1" smtClean="0">
-                            <a:latin typeface="Cambria Math" panose="02040503050406030204" pitchFamily="18" charset="0"/>
-                            <a:ea typeface="Cambria Math" panose="02040503050406030204" pitchFamily="18" charset="0"/>
-                          </a:rPr>
-                        </m:ctrlPr>
-                      </m:sSubPr>
-                      <m:e>
-                        <m:r>
-                          <a:rPr lang="en-US" b="0" i="1" smtClean="0">
-                            <a:latin typeface="Cambria Math" panose="02040503050406030204" pitchFamily="18" charset="0"/>
-                            <a:ea typeface="Cambria Math" panose="02040503050406030204" pitchFamily="18" charset="0"/>
-                          </a:rPr>
-                          <m:t>𝑎𝑟𝑔𝑚𝑖𝑛</m:t>
-                        </m:r>
-                      </m:e>
-                      <m:sub>
-                        <m:r>
-                          <a:rPr lang="en-US" b="0" i="1" smtClean="0">
-                            <a:latin typeface="Cambria Math" panose="02040503050406030204" pitchFamily="18" charset="0"/>
-                            <a:ea typeface="Cambria Math" panose="02040503050406030204" pitchFamily="18" charset="0"/>
-                          </a:rPr>
-                          <m:t>𝑏</m:t>
-                        </m:r>
-                        <m:r>
-                          <a:rPr lang="en-US" b="0" i="1" smtClean="0">
-                            <a:latin typeface="Cambria Math" panose="02040503050406030204" pitchFamily="18" charset="0"/>
-                            <a:ea typeface="Cambria Math" panose="02040503050406030204" pitchFamily="18" charset="0"/>
-                          </a:rPr>
-                          <m:t>∈∆</m:t>
-                        </m:r>
-                        <m:r>
-                          <a:rPr lang="en-US" b="0" i="1" smtClean="0">
-                            <a:latin typeface="Cambria Math" panose="02040503050406030204" pitchFamily="18" charset="0"/>
-                            <a:ea typeface="Cambria Math" panose="02040503050406030204" pitchFamily="18" charset="0"/>
-                          </a:rPr>
-                          <m:t>𝑑</m:t>
-                        </m:r>
-                      </m:sub>
-                    </m:sSub>
-                    <m:sSup>
-                      <m:sSupPr>
-                        <m:ctrlPr>
-                          <a:rPr lang="en-US" b="0" i="1" smtClean="0">
-                            <a:latin typeface="Cambria Math" panose="02040503050406030204" pitchFamily="18" charset="0"/>
-                            <a:ea typeface="Cambria Math" panose="02040503050406030204" pitchFamily="18" charset="0"/>
-                          </a:rPr>
-                        </m:ctrlPr>
-                      </m:sSupPr>
-                      <m:e>
-                        <m:f>
-                          <m:fPr>
-                            <m:ctrlPr>
-                              <a:rPr lang="en-US" b="0" i="1" smtClean="0">
-                                <a:latin typeface="Cambria Math" panose="02040503050406030204" pitchFamily="18" charset="0"/>
-                                <a:ea typeface="Cambria Math" panose="02040503050406030204" pitchFamily="18" charset="0"/>
-                              </a:rPr>
-                            </m:ctrlPr>
-                          </m:fPr>
-                          <m:num>
-                            <m:r>
-                              <a:rPr lang="en-US" b="0" i="1" smtClean="0">
-                                <a:latin typeface="Cambria Math" panose="02040503050406030204" pitchFamily="18" charset="0"/>
-                                <a:ea typeface="Cambria Math" panose="02040503050406030204" pitchFamily="18" charset="0"/>
-                              </a:rPr>
-                              <m:t>1</m:t>
-                            </m:r>
-                          </m:num>
-                          <m:den>
-                            <m:r>
-                              <a:rPr lang="en-US" b="0" i="1" smtClean="0">
-                                <a:latin typeface="Cambria Math" panose="02040503050406030204" pitchFamily="18" charset="0"/>
-                                <a:ea typeface="Cambria Math" panose="02040503050406030204" pitchFamily="18" charset="0"/>
-                              </a:rPr>
-                              <m:t>2</m:t>
-                            </m:r>
-                          </m:den>
-                        </m:f>
-                        <m:d>
-                          <m:dPr>
-                            <m:begChr m:val="‖"/>
-                            <m:endChr m:val="‖"/>
-                            <m:ctrlPr>
-                              <a:rPr lang="en-US" b="0" i="1" smtClean="0">
-                                <a:latin typeface="Cambria Math" panose="02040503050406030204" pitchFamily="18" charset="0"/>
-                                <a:ea typeface="Cambria Math" panose="02040503050406030204" pitchFamily="18" charset="0"/>
-                              </a:rPr>
-                            </m:ctrlPr>
-                          </m:dPr>
-                          <m:e>
-                            <m:r>
-                              <a:rPr lang="en-US" b="0" i="1" smtClean="0">
-                                <a:latin typeface="Cambria Math" panose="02040503050406030204" pitchFamily="18" charset="0"/>
-                                <a:ea typeface="Cambria Math" panose="02040503050406030204" pitchFamily="18" charset="0"/>
-                              </a:rPr>
-                              <m:t>𝑏</m:t>
-                            </m:r>
-                            <m:r>
-                              <a:rPr lang="en-US" b="0" i="1" smtClean="0">
-                                <a:latin typeface="Cambria Math" panose="02040503050406030204" pitchFamily="18" charset="0"/>
-                                <a:ea typeface="Cambria Math" panose="02040503050406030204" pitchFamily="18" charset="0"/>
-                              </a:rPr>
-                              <m:t>−</m:t>
-                            </m:r>
-                            <m:sSub>
-                              <m:sSubPr>
-                                <m:ctrlPr>
-                                  <a:rPr lang="en-US" b="0" i="1" smtClean="0">
-                                    <a:latin typeface="Cambria Math" panose="02040503050406030204" pitchFamily="18" charset="0"/>
-                                    <a:ea typeface="Cambria Math" panose="02040503050406030204" pitchFamily="18" charset="0"/>
-                                  </a:rPr>
-                                </m:ctrlPr>
-                              </m:sSubPr>
-                              <m:e>
-                                <m:r>
-                                  <a:rPr lang="en-US" b="0" i="1" smtClean="0">
-                                    <a:latin typeface="Cambria Math" panose="02040503050406030204" pitchFamily="18" charset="0"/>
-                                    <a:ea typeface="Cambria Math" panose="02040503050406030204" pitchFamily="18" charset="0"/>
-                                  </a:rPr>
-                                  <m:t>𝑏</m:t>
-                                </m:r>
-                              </m:e>
-                              <m:sub>
-                                <m:r>
-                                  <a:rPr lang="en-US" b="0" i="1" smtClean="0">
-                                    <a:latin typeface="Cambria Math" panose="02040503050406030204" pitchFamily="18" charset="0"/>
-                                    <a:ea typeface="Cambria Math" panose="02040503050406030204" pitchFamily="18" charset="0"/>
-                                  </a:rPr>
-                                  <m:t>𝑡</m:t>
-                                </m:r>
-                              </m:sub>
-                            </m:sSub>
-                          </m:e>
-                        </m:d>
-                      </m:e>
-                      <m:sup>
-                        <m:r>
-                          <a:rPr lang="en-US" b="0" i="1" smtClean="0">
-                            <a:latin typeface="Cambria Math" panose="02040503050406030204" pitchFamily="18" charset="0"/>
-                            <a:ea typeface="Cambria Math" panose="02040503050406030204" pitchFamily="18" charset="0"/>
-                          </a:rPr>
-                          <m:t>2</m:t>
-                        </m:r>
-                      </m:sup>
-                    </m:sSup>
-                    <m:r>
-                      <a:rPr lang="en-US" b="0" i="0" smtClean="0">
-                        <a:latin typeface="Cambria Math" panose="02040503050406030204" pitchFamily="18" charset="0"/>
-                        <a:ea typeface="Cambria Math" panose="02040503050406030204" pitchFamily="18" charset="0"/>
-                      </a:rPr>
-                      <m:t> </m:t>
-                    </m:r>
-                    <m:r>
-                      <a:rPr lang="en-US" b="0" i="1" smtClean="0">
-                        <a:latin typeface="Cambria Math" panose="02040503050406030204" pitchFamily="18" charset="0"/>
-                        <a:ea typeface="Cambria Math" panose="02040503050406030204" pitchFamily="18" charset="0"/>
-                      </a:rPr>
-                      <m:t>𝑠</m:t>
-                    </m:r>
-                    <m:r>
-                      <a:rPr lang="en-US" b="0" i="1" smtClean="0">
-                        <a:latin typeface="Cambria Math" panose="02040503050406030204" pitchFamily="18" charset="0"/>
-                        <a:ea typeface="Cambria Math" panose="02040503050406030204" pitchFamily="18" charset="0"/>
-                      </a:rPr>
-                      <m:t>.</m:t>
-                    </m:r>
-                    <m:r>
-                      <a:rPr lang="en-US" b="0" i="1" smtClean="0">
-                        <a:latin typeface="Cambria Math" panose="02040503050406030204" pitchFamily="18" charset="0"/>
-                        <a:ea typeface="Cambria Math" panose="02040503050406030204" pitchFamily="18" charset="0"/>
-                      </a:rPr>
-                      <m:t>𝑡</m:t>
-                    </m:r>
-                    <m:r>
-                      <a:rPr lang="en-US" b="0" i="1" smtClean="0">
-                        <a:latin typeface="Cambria Math" panose="02040503050406030204" pitchFamily="18" charset="0"/>
-                        <a:ea typeface="Cambria Math" panose="02040503050406030204" pitchFamily="18" charset="0"/>
-                      </a:rPr>
-                      <m:t>.  </m:t>
-                    </m:r>
-                    <m:sSup>
-                      <m:sSupPr>
-                        <m:ctrlPr>
-                          <a:rPr lang="en-US" b="0" i="1" smtClean="0">
-                            <a:latin typeface="Cambria Math" panose="02040503050406030204" pitchFamily="18" charset="0"/>
-                            <a:ea typeface="Cambria Math" panose="02040503050406030204" pitchFamily="18" charset="0"/>
-                          </a:rPr>
-                        </m:ctrlPr>
-                      </m:sSupPr>
-                      <m:e>
-                        <m:r>
-                          <a:rPr lang="en-US" b="0" i="1" smtClean="0">
-                            <a:latin typeface="Cambria Math" panose="02040503050406030204" pitchFamily="18" charset="0"/>
-                            <a:ea typeface="Cambria Math" panose="02040503050406030204" pitchFamily="18" charset="0"/>
-                          </a:rPr>
-                          <m:t>𝑏</m:t>
-                        </m:r>
-                      </m:e>
-                      <m:sup>
-                        <m:r>
-                          <a:rPr lang="en-US" b="0" i="1" smtClean="0">
-                            <a:latin typeface="Cambria Math" panose="02040503050406030204" pitchFamily="18" charset="0"/>
-                            <a:ea typeface="Cambria Math" panose="02040503050406030204" pitchFamily="18" charset="0"/>
-                          </a:rPr>
-                          <m:t>𝑇</m:t>
-                        </m:r>
-                      </m:sup>
-                    </m:sSup>
-                    <m:sSub>
-                      <m:sSubPr>
-                        <m:ctrlPr>
-                          <a:rPr lang="en-US" b="0" i="1" smtClean="0">
-                            <a:latin typeface="Cambria Math" panose="02040503050406030204" pitchFamily="18" charset="0"/>
-                            <a:ea typeface="Cambria Math" panose="02040503050406030204" pitchFamily="18" charset="0"/>
-                          </a:rPr>
-                        </m:ctrlPr>
-                      </m:sSubPr>
-                      <m:e>
-                        <m:acc>
-                          <m:accPr>
-                            <m:chr m:val="̃"/>
-                            <m:ctrlPr>
-                              <a:rPr lang="en-US" b="0" i="1" smtClean="0">
-                                <a:latin typeface="Cambria Math" panose="02040503050406030204" pitchFamily="18" charset="0"/>
-                                <a:ea typeface="Cambria Math" panose="02040503050406030204" pitchFamily="18" charset="0"/>
-                              </a:rPr>
-                            </m:ctrlPr>
-                          </m:accPr>
-                          <m:e>
-                            <m:r>
-                              <a:rPr lang="en-US" b="0" i="1" smtClean="0">
-                                <a:latin typeface="Cambria Math" panose="02040503050406030204" pitchFamily="18" charset="0"/>
-                                <a:ea typeface="Cambria Math" panose="02040503050406030204" pitchFamily="18" charset="0"/>
-                              </a:rPr>
-                              <m:t>𝑥</m:t>
-                            </m:r>
-                          </m:e>
-                        </m:acc>
-                      </m:e>
-                      <m:sub>
-                        <m:r>
-                          <a:rPr lang="en-US" b="0" i="1" smtClean="0">
-                            <a:latin typeface="Cambria Math" panose="02040503050406030204" pitchFamily="18" charset="0"/>
-                            <a:ea typeface="Cambria Math" panose="02040503050406030204" pitchFamily="18" charset="0"/>
-                          </a:rPr>
-                          <m:t>𝑡</m:t>
-                        </m:r>
-                        <m:r>
-                          <a:rPr lang="en-US" b="0" i="1" smtClean="0">
-                            <a:latin typeface="Cambria Math" panose="02040503050406030204" pitchFamily="18" charset="0"/>
-                            <a:ea typeface="Cambria Math" panose="02040503050406030204" pitchFamily="18" charset="0"/>
-                          </a:rPr>
-                          <m:t>+1</m:t>
-                        </m:r>
-                      </m:sub>
-                    </m:sSub>
-                    <m:r>
-                      <a:rPr lang="en-US" b="0" i="1" smtClean="0">
-                        <a:latin typeface="Cambria Math" panose="02040503050406030204" pitchFamily="18" charset="0"/>
-                        <a:ea typeface="Cambria Math" panose="02040503050406030204" pitchFamily="18" charset="0"/>
-                      </a:rPr>
-                      <m:t>≥</m:t>
-                    </m:r>
-                    <m:r>
-                      <a:rPr lang="en-US" b="0" i="1" smtClean="0">
-                        <a:latin typeface="Cambria Math" panose="02040503050406030204" pitchFamily="18" charset="0"/>
-                        <a:ea typeface="Cambria Math" panose="02040503050406030204" pitchFamily="18" charset="0"/>
-                      </a:rPr>
-                      <m:t>𝜀</m:t>
-                    </m:r>
-                  </m:oMath>
-                </a14:m>
-                <a:r>
-                  <a:rPr lang="en-US" dirty="0"/>
-                  <a:t>.</a:t>
-                </a:r>
-              </a:p>
-              <a:p>
-                <a:pPr lvl="1"/>
-                <a:endParaRPr lang="en-US" dirty="0"/>
-              </a:p>
-              <a:p>
-                <a:pPr lvl="1"/>
-                <a:r>
-                  <a:rPr lang="en-US" dirty="0"/>
-                  <a:t>The above formulation attempts to find an optimal portfolio by minimizing the deviation from last portfolio </a:t>
-                </a:r>
-                <a14:m>
-                  <m:oMath xmlns:m="http://schemas.openxmlformats.org/officeDocument/2006/math">
-                    <m:sSub>
-                      <m:sSubPr>
-                        <m:ctrlPr>
-                          <a:rPr lang="en-US" i="1" smtClean="0">
-                            <a:latin typeface="Cambria Math" panose="02040503050406030204" pitchFamily="18" charset="0"/>
-                          </a:rPr>
-                        </m:ctrlPr>
-                      </m:sSubPr>
-                      <m:e>
-                        <m:r>
-                          <a:rPr lang="en-US" altLang="zh-CN" i="1">
-                            <a:latin typeface="Cambria Math" panose="02040503050406030204" pitchFamily="18" charset="0"/>
-                          </a:rPr>
-                          <m:t>𝑏</m:t>
-                        </m:r>
-                      </m:e>
-                      <m:sub>
-                        <m:r>
-                          <a:rPr lang="en-US" b="0" i="1" smtClean="0">
-                            <a:latin typeface="Cambria Math" panose="02040503050406030204" pitchFamily="18" charset="0"/>
-                          </a:rPr>
-                          <m:t>𝑡</m:t>
-                        </m:r>
-                      </m:sub>
-                    </m:sSub>
-                  </m:oMath>
-                </a14:m>
-                <a:r>
-                  <a:rPr lang="en-US" dirty="0"/>
-                  <a:t> under the condition of </a:t>
-                </a:r>
-                <a14:m>
-                  <m:oMath xmlns:m="http://schemas.openxmlformats.org/officeDocument/2006/math">
-                    <m:sSup>
-                      <m:sSupPr>
-                        <m:ctrlPr>
-                          <a:rPr lang="en-US" i="1" smtClean="0">
-                            <a:latin typeface="Cambria Math" panose="02040503050406030204" pitchFamily="18" charset="0"/>
-                          </a:rPr>
-                        </m:ctrlPr>
-                      </m:sSupPr>
-                      <m:e>
-                        <m:r>
-                          <a:rPr lang="en-US" b="0" i="1" smtClean="0">
-                            <a:latin typeface="Cambria Math" panose="02040503050406030204" pitchFamily="18" charset="0"/>
-                          </a:rPr>
-                          <m:t>𝑏</m:t>
-                        </m:r>
-                      </m:e>
-                      <m:sup>
-                        <m:r>
-                          <a:rPr lang="en-US" b="0" i="1" smtClean="0">
-                            <a:latin typeface="Cambria Math" panose="02040503050406030204" pitchFamily="18" charset="0"/>
-                          </a:rPr>
-                          <m:t>𝑇</m:t>
-                        </m:r>
-                      </m:sup>
-                    </m:sSup>
-                    <m:sSub>
-                      <m:sSubPr>
-                        <m:ctrlPr>
-                          <a:rPr lang="en-US" i="1" smtClean="0">
-                            <a:latin typeface="Cambria Math" panose="02040503050406030204" pitchFamily="18" charset="0"/>
-                          </a:rPr>
-                        </m:ctrlPr>
-                      </m:sSubPr>
-                      <m:e>
-                        <m:acc>
-                          <m:accPr>
-                            <m:chr m:val="̃"/>
-                            <m:ctrlPr>
-                              <a:rPr lang="en-US" i="1" smtClean="0">
-                                <a:latin typeface="Cambria Math" panose="02040503050406030204" pitchFamily="18" charset="0"/>
-                              </a:rPr>
-                            </m:ctrlPr>
-                          </m:accPr>
-                          <m:e>
-                            <m:r>
-                              <a:rPr lang="en-US" b="0" i="1" smtClean="0">
-                                <a:latin typeface="Cambria Math" panose="02040503050406030204" pitchFamily="18" charset="0"/>
-                              </a:rPr>
-                              <m:t>𝑥</m:t>
-                            </m:r>
-                          </m:e>
-                        </m:acc>
-                      </m:e>
-                      <m:sub>
-                        <m:r>
-                          <a:rPr lang="en-US" b="0" i="1" smtClean="0">
-                            <a:latin typeface="Cambria Math" panose="02040503050406030204" pitchFamily="18" charset="0"/>
-                          </a:rPr>
-                          <m:t>𝑡</m:t>
-                        </m:r>
-                        <m:r>
-                          <a:rPr lang="en-US" b="0" i="1" smtClean="0">
-                            <a:latin typeface="Cambria Math" panose="02040503050406030204" pitchFamily="18" charset="0"/>
-                          </a:rPr>
-                          <m:t>+1</m:t>
-                        </m:r>
-                      </m:sub>
-                    </m:sSub>
-                    <m:r>
-                      <a:rPr lang="en-US" i="1" smtClean="0">
-                        <a:latin typeface="Cambria Math" panose="02040503050406030204" pitchFamily="18" charset="0"/>
-                        <a:ea typeface="Cambria Math" panose="02040503050406030204" pitchFamily="18" charset="0"/>
-                      </a:rPr>
-                      <m:t>≥</m:t>
-                    </m:r>
-                    <m:r>
-                      <a:rPr lang="en-US" i="1" smtClean="0">
-                        <a:latin typeface="Cambria Math" panose="02040503050406030204" pitchFamily="18" charset="0"/>
-                        <a:ea typeface="Cambria Math" panose="02040503050406030204" pitchFamily="18" charset="0"/>
-                      </a:rPr>
-                      <m:t>𝜀</m:t>
-                    </m:r>
-                  </m:oMath>
-                </a14:m>
-                <a:r>
-                  <a:rPr lang="en-US" dirty="0"/>
-                  <a:t>.</a:t>
-                </a:r>
-              </a:p>
-            </p:txBody>
-          </p:sp>
-        </mc:Choice>
-        <mc:Fallback>
-          <p:sp>
-            <p:nvSpPr>
-              <p:cNvPr id="3" name="Content Placeholder 2">
-                <a:extLst>
-                  <a:ext uri="{FF2B5EF4-FFF2-40B4-BE49-F238E27FC236}">
-                    <a16:creationId xmlns:a16="http://schemas.microsoft.com/office/drawing/2014/main" id="{D7C90E8F-C088-4454-A465-416E6238896F}"/>
-                  </a:ext>
-                </a:extLst>
-              </p:cNvPr>
-              <p:cNvSpPr>
-                <a:spLocks noGrp="1" noRot="1" noChangeAspect="1" noMove="1" noResize="1" noEditPoints="1" noAdjustHandles="1" noChangeArrowheads="1" noChangeShapeType="1" noTextEdit="1"/>
-              </p:cNvSpPr>
-              <p:nvPr>
-                <p:ph idx="1"/>
-              </p:nvPr>
-            </p:nvSpPr>
-            <p:spPr>
-              <a:xfrm>
-                <a:off x="838200" y="1437968"/>
-                <a:ext cx="10515600" cy="4738995"/>
-              </a:xfrm>
-              <a:blipFill>
-                <a:blip r:embed="rId2"/>
-                <a:stretch>
-                  <a:fillRect l="-965" t="-1872"/>
-                </a:stretch>
-              </a:blipFill>
-            </p:spPr>
-            <p:txBody>
-              <a:bodyPr/>
-              <a:lstStyle/>
-              <a:p>
-                <a:r>
-                  <a:rPr lang="en-US">
-                    <a:noFill/>
-                  </a:rPr>
-                  <a:t> </a:t>
-                </a:r>
-              </a:p>
-            </p:txBody>
-          </p:sp>
-        </mc:Fallback>
-      </mc:AlternateContent>
-    </p:spTree>
-    <p:extLst>
-      <p:ext uri="{BB962C8B-B14F-4D97-AF65-F5344CB8AC3E}">
-        <p14:creationId xmlns:p14="http://schemas.microsoft.com/office/powerpoint/2010/main" val="1339065930"/>
-      </p:ext>
-    </p:extLst>
-  </p:cSld>
-  <p:clrMapOvr>
-    <a:masterClrMapping/>
-  </p:clrMapOvr>
-</p:sld>
-</file>
-
-<file path=ppt/slides/slide11.xml><?xml version="1.0" encoding="utf-8"?>
-<p:sld xmlns:a="http://schemas.openxmlformats.org/drawingml/2006/main" xmlns:r="http://schemas.openxmlformats.org/officeDocument/2006/relationships" xmlns:p="http://schemas.openxmlformats.org/presentationml/2006/main">
-  <p:cSld>
-    <p:spTree>
-      <p:nvGrpSpPr>
-        <p:cNvPr id="1" name=""/>
-        <p:cNvGrpSpPr/>
-        <p:nvPr/>
-      </p:nvGrpSpPr>
-      <p:grpSpPr>
-        <a:xfrm>
-          <a:off x="0" y="0"/>
-          <a:ext cx="0" cy="0"/>
-          <a:chOff x="0" y="0"/>
-          <a:chExt cx="0" cy="0"/>
-        </a:xfrm>
-      </p:grpSpPr>
-      <p:sp>
-        <p:nvSpPr>
-          <p:cNvPr id="2" name="Title 1">
-            <a:extLst>
-              <a:ext uri="{FF2B5EF4-FFF2-40B4-BE49-F238E27FC236}">
-                <a16:creationId xmlns:a16="http://schemas.microsoft.com/office/drawing/2014/main" id="{D5BC4DA5-A0EC-4FCB-94AC-DDE59D2CDE59}"/>
-              </a:ext>
-            </a:extLst>
-          </p:cNvPr>
-          <p:cNvSpPr>
-            <a:spLocks noGrp="1"/>
-          </p:cNvSpPr>
-          <p:nvPr>
-            <p:ph type="title"/>
-          </p:nvPr>
-        </p:nvSpPr>
-        <p:spPr>
-          <a:xfrm>
             <a:off x="838200" y="770706"/>
             <a:ext cx="10515600" cy="519778"/>
           </a:xfrm>
@@ -5173,7 +4559,7 @@
 </p:sld>
 </file>
 
-<file path=ppt/slides/slide12.xml><?xml version="1.0" encoding="utf-8"?>
+<file path=ppt/slides/slide11.xml><?xml version="1.0" encoding="utf-8"?>
 <p:sld xmlns:a="http://schemas.openxmlformats.org/drawingml/2006/main" xmlns:r="http://schemas.openxmlformats.org/officeDocument/2006/relationships" xmlns:p="http://schemas.openxmlformats.org/presentationml/2006/main">
   <p:cSld>
     <p:spTree>
@@ -5786,6 +5172,138 @@
 </p:sld>
 </file>
 
+<file path=ppt/slides/slide12.xml><?xml version="1.0" encoding="utf-8"?>
+<p:sld xmlns:a="http://schemas.openxmlformats.org/drawingml/2006/main" xmlns:r="http://schemas.openxmlformats.org/officeDocument/2006/relationships" xmlns:p="http://schemas.openxmlformats.org/presentationml/2006/main">
+  <p:cSld>
+    <p:spTree>
+      <p:nvGrpSpPr>
+        <p:cNvPr id="1" name=""/>
+        <p:cNvGrpSpPr/>
+        <p:nvPr/>
+      </p:nvGrpSpPr>
+      <p:grpSpPr>
+        <a:xfrm>
+          <a:off x="0" y="0"/>
+          <a:ext cx="0" cy="0"/>
+          <a:chOff x="0" y="0"/>
+          <a:chExt cx="0" cy="0"/>
+        </a:xfrm>
+      </p:grpSpPr>
+      <p:sp>
+        <p:nvSpPr>
+          <p:cNvPr id="2" name="Title 1">
+            <a:extLst>
+              <a:ext uri="{FF2B5EF4-FFF2-40B4-BE49-F238E27FC236}">
+                <a16:creationId xmlns:a16="http://schemas.microsoft.com/office/drawing/2014/main" id="{D5BC4DA5-A0EC-4FCB-94AC-DDE59D2CDE59}"/>
+              </a:ext>
+            </a:extLst>
+          </p:cNvPr>
+          <p:cNvSpPr>
+            <a:spLocks noGrp="1"/>
+          </p:cNvSpPr>
+          <p:nvPr>
+            <p:ph type="title"/>
+          </p:nvPr>
+        </p:nvSpPr>
+        <p:spPr>
+          <a:xfrm>
+            <a:off x="838200" y="770706"/>
+            <a:ext cx="10515600" cy="519778"/>
+          </a:xfrm>
+        </p:spPr>
+        <p:txBody>
+          <a:bodyPr>
+            <a:noAutofit/>
+          </a:bodyPr>
+          <a:lstStyle/>
+          <a:p>
+            <a:r>
+              <a:rPr lang="en-US" sz="3600" b="1" dirty="0"/>
+              <a:t>RMR Algorithm</a:t>
+            </a:r>
+          </a:p>
+        </p:txBody>
+      </p:sp>
+      <p:sp>
+        <p:nvSpPr>
+          <p:cNvPr id="5" name="TextBox 4">
+            <a:extLst>
+              <a:ext uri="{FF2B5EF4-FFF2-40B4-BE49-F238E27FC236}">
+                <a16:creationId xmlns:a16="http://schemas.microsoft.com/office/drawing/2014/main" id="{D5676B21-881F-4837-933A-E88868B81C7B}"/>
+              </a:ext>
+            </a:extLst>
+          </p:cNvPr>
+          <p:cNvSpPr txBox="1"/>
+          <p:nvPr/>
+        </p:nvSpPr>
+        <p:spPr>
+          <a:xfrm>
+            <a:off x="914400" y="1541206"/>
+            <a:ext cx="6467168" cy="523220"/>
+          </a:xfrm>
+          <a:prstGeom prst="rect">
+            <a:avLst/>
+          </a:prstGeom>
+          <a:noFill/>
+        </p:spPr>
+        <p:txBody>
+          <a:bodyPr wrap="square" rtlCol="0">
+            <a:spAutoFit/>
+          </a:bodyPr>
+          <a:lstStyle/>
+          <a:p>
+            <a:r>
+              <a:rPr lang="en-US" sz="2800" dirty="0"/>
+              <a:t>3. Summary </a:t>
+            </a:r>
+          </a:p>
+        </p:txBody>
+      </p:sp>
+      <p:pic>
+        <p:nvPicPr>
+          <p:cNvPr id="6" name="Content Placeholder 5">
+            <a:extLst>
+              <a:ext uri="{FF2B5EF4-FFF2-40B4-BE49-F238E27FC236}">
+                <a16:creationId xmlns:a16="http://schemas.microsoft.com/office/drawing/2014/main" id="{4E603262-25D5-4246-92B0-2536F270D451}"/>
+              </a:ext>
+            </a:extLst>
+          </p:cNvPr>
+          <p:cNvPicPr>
+            <a:picLocks noGrp="1" noChangeAspect="1"/>
+          </p:cNvPicPr>
+          <p:nvPr>
+            <p:ph idx="1"/>
+          </p:nvPr>
+        </p:nvPicPr>
+        <p:blipFill>
+          <a:blip r:embed="rId2"/>
+          <a:stretch>
+            <a:fillRect/>
+          </a:stretch>
+        </p:blipFill>
+        <p:spPr>
+          <a:xfrm>
+            <a:off x="3496461" y="2183765"/>
+            <a:ext cx="5462730" cy="4572000"/>
+          </a:xfrm>
+          <a:prstGeom prst="rect">
+            <a:avLst/>
+          </a:prstGeom>
+        </p:spPr>
+      </p:pic>
+    </p:spTree>
+    <p:extLst>
+      <p:ext uri="{BB962C8B-B14F-4D97-AF65-F5344CB8AC3E}">
+        <p14:creationId xmlns:p14="http://schemas.microsoft.com/office/powerpoint/2010/main" val="3502167083"/>
+      </p:ext>
+    </p:extLst>
+  </p:cSld>
+  <p:clrMapOvr>
+    <a:masterClrMapping/>
+  </p:clrMapOvr>
+</p:sld>
+</file>
+
 <file path=ppt/slides/slide13.xml><?xml version="1.0" encoding="utf-8"?>
 <p:sld xmlns:a="http://schemas.openxmlformats.org/drawingml/2006/main" xmlns:r="http://schemas.openxmlformats.org/officeDocument/2006/relationships" xmlns:p="http://schemas.openxmlformats.org/presentationml/2006/main">
   <p:cSld>
@@ -5833,82 +5351,94 @@
           <a:p>
             <a:r>
               <a:rPr lang="en-US" sz="3600" b="1" dirty="0"/>
-              <a:t>RMR Algorithm</a:t>
+              <a:t>Four other models</a:t>
             </a:r>
           </a:p>
         </p:txBody>
       </p:sp>
       <p:sp>
         <p:nvSpPr>
-          <p:cNvPr id="5" name="TextBox 4">
+          <p:cNvPr id="3" name="Content Placeholder 2">
             <a:extLst>
               <a:ext uri="{FF2B5EF4-FFF2-40B4-BE49-F238E27FC236}">
-                <a16:creationId xmlns:a16="http://schemas.microsoft.com/office/drawing/2014/main" id="{D5676B21-881F-4837-933A-E88868B81C7B}"/>
+                <a16:creationId xmlns:a16="http://schemas.microsoft.com/office/drawing/2014/main" id="{D7C90E8F-C088-4454-A465-416E6238896F}"/>
               </a:ext>
             </a:extLst>
           </p:cNvPr>
-          <p:cNvSpPr txBox="1"/>
-          <p:nvPr/>
+          <p:cNvSpPr>
+            <a:spLocks noGrp="1"/>
+          </p:cNvSpPr>
+          <p:nvPr>
+            <p:ph idx="1"/>
+          </p:nvPr>
         </p:nvSpPr>
         <p:spPr>
           <a:xfrm>
-            <a:off x="914400" y="1541206"/>
-            <a:ext cx="6467168" cy="523220"/>
+            <a:off x="838200" y="1437968"/>
+            <a:ext cx="10515600" cy="4738995"/>
           </a:xfrm>
-          <a:prstGeom prst="rect">
-            <a:avLst/>
-          </a:prstGeom>
-          <a:noFill/>
         </p:spPr>
         <p:txBody>
-          <a:bodyPr wrap="square" rtlCol="0">
-            <a:spAutoFit/>
+          <a:bodyPr>
+            <a:normAutofit/>
           </a:bodyPr>
           <a:lstStyle/>
           <a:p>
             <a:r>
-              <a:rPr lang="en-US" sz="2800" dirty="0"/>
-              <a:t>3. Summary </a:t>
-            </a:r>
+              <a:rPr lang="en-US" dirty="0"/>
+              <a:t>Best-stock (‘BEST’)</a:t>
+            </a:r>
+          </a:p>
+          <a:p>
+            <a:pPr lvl="1"/>
+            <a:r>
+              <a:rPr lang="en-US" dirty="0"/>
+              <a:t>Buys the best stock over the period.</a:t>
+            </a:r>
+          </a:p>
+          <a:p>
+            <a:pPr lvl="1"/>
+            <a:r>
+              <a:rPr lang="en-US" dirty="0"/>
+              <a:t>Obviously a hindsight strategy.</a:t>
+            </a:r>
+          </a:p>
+          <a:p>
+            <a:r>
+              <a:rPr lang="en-US" dirty="0"/>
+              <a:t>Passive aggressive mean reversion (‘PAMR’)</a:t>
+            </a:r>
+          </a:p>
+          <a:p>
+            <a:pPr lvl="1"/>
+            <a:r>
+              <a:rPr lang="en-US" dirty="0"/>
+              <a:t>Estimate the next price relative as the inverse of last price relative</a:t>
+            </a:r>
+          </a:p>
+          <a:p>
+            <a:pPr lvl="1"/>
+            <a:r>
+              <a:rPr lang="en-US" dirty="0"/>
+              <a:t>Adopt the single-period mean reversion assumption, not satisfied with reality</a:t>
+            </a:r>
+          </a:p>
+          <a:p>
+            <a:pPr lvl="1"/>
+            <a:r>
+              <a:rPr lang="en-US" dirty="0"/>
+              <a:t>Cannot exempt from the influence of noise and outliers</a:t>
+            </a:r>
+          </a:p>
+          <a:p>
+            <a:endParaRPr lang="en-US" dirty="0"/>
           </a:p>
         </p:txBody>
       </p:sp>
-      <p:pic>
-        <p:nvPicPr>
-          <p:cNvPr id="6" name="Content Placeholder 5">
-            <a:extLst>
-              <a:ext uri="{FF2B5EF4-FFF2-40B4-BE49-F238E27FC236}">
-                <a16:creationId xmlns:a16="http://schemas.microsoft.com/office/drawing/2014/main" id="{4E603262-25D5-4246-92B0-2536F270D451}"/>
-              </a:ext>
-            </a:extLst>
-          </p:cNvPr>
-          <p:cNvPicPr>
-            <a:picLocks noGrp="1" noChangeAspect="1"/>
-          </p:cNvPicPr>
-          <p:nvPr>
-            <p:ph idx="1"/>
-          </p:nvPr>
-        </p:nvPicPr>
-        <p:blipFill>
-          <a:blip r:embed="rId2"/>
-          <a:stretch>
-            <a:fillRect/>
-          </a:stretch>
-        </p:blipFill>
-        <p:spPr>
-          <a:xfrm>
-            <a:off x="3496461" y="2183765"/>
-            <a:ext cx="5462730" cy="4572000"/>
-          </a:xfrm>
-          <a:prstGeom prst="rect">
-            <a:avLst/>
-          </a:prstGeom>
-        </p:spPr>
-      </p:pic>
     </p:spTree>
     <p:extLst>
       <p:ext uri="{BB962C8B-B14F-4D97-AF65-F5344CB8AC3E}">
-        <p14:creationId xmlns:p14="http://schemas.microsoft.com/office/powerpoint/2010/main" val="3502167083"/>
+        <p14:creationId xmlns:p14="http://schemas.microsoft.com/office/powerpoint/2010/main" val="2559358750"/>
       </p:ext>
     </p:extLst>
   </p:cSld>
@@ -6000,41 +5530,14 @@
           <a:p>
             <a:r>
               <a:rPr lang="en-US" dirty="0"/>
-              <a:t>Best-stock (‘BEST’)</a:t>
+              <a:t>Online Moving Average Reversion (‘OLMAR’)</a:t>
             </a:r>
           </a:p>
           <a:p>
             <a:pPr lvl="1"/>
             <a:r>
               <a:rPr lang="en-US" dirty="0"/>
-              <a:t>Buys the best stock over the period.</a:t>
-            </a:r>
-          </a:p>
-          <a:p>
-            <a:pPr lvl="1"/>
-            <a:r>
-              <a:rPr lang="en-US" dirty="0"/>
-              <a:t>Obviously a hindsight strategy.</a:t>
-            </a:r>
-          </a:p>
-          <a:p>
-            <a:r>
-              <a:rPr lang="en-US" dirty="0"/>
-              <a:t>Passive aggressive mean reversion (‘PAMR’)</a:t>
-            </a:r>
-          </a:p>
-          <a:p>
-            <a:pPr lvl="1"/>
-            <a:r>
-              <a:rPr lang="en-US" dirty="0"/>
-              <a:t>Estimate the next price relative as the inverse of last price relative</a:t>
-            </a:r>
-          </a:p>
-          <a:p>
-            <a:pPr lvl="1"/>
-            <a:r>
-              <a:rPr lang="en-US" dirty="0"/>
-              <a:t>Adopt the single-period mean reversion assumption, not satisfied with reality</a:t>
+              <a:t>predicts the next price relative using moving averages and explores the multi-period mean reversion</a:t>
             </a:r>
           </a:p>
           <a:p>
@@ -6045,6 +5548,27 @@
             </a:r>
           </a:p>
           <a:p>
+            <a:r>
+              <a:rPr lang="en-US" dirty="0"/>
+              <a:t>Market</a:t>
+            </a:r>
+          </a:p>
+          <a:p>
+            <a:pPr lvl="1"/>
+            <a:r>
+              <a:rPr lang="en-US" dirty="0"/>
+              <a:t>buys assets according to a pre-defined weight and holds until the end.</a:t>
+            </a:r>
+          </a:p>
+          <a:p>
+            <a:pPr lvl="1"/>
+            <a:r>
+              <a:rPr lang="en-US" dirty="0"/>
+              <a:t>In the experiment, we used equal weight.</a:t>
+            </a:r>
+          </a:p>
+          <a:p>
+            <a:pPr lvl="1"/>
             <a:endParaRPr lang="en-US" dirty="0"/>
           </a:p>
         </p:txBody>
@@ -6052,7 +5576,7 @@
     </p:spTree>
     <p:extLst>
       <p:ext uri="{BB962C8B-B14F-4D97-AF65-F5344CB8AC3E}">
-        <p14:creationId xmlns:p14="http://schemas.microsoft.com/office/powerpoint/2010/main" val="2559358750"/>
+        <p14:creationId xmlns:p14="http://schemas.microsoft.com/office/powerpoint/2010/main" val="3288216775"/>
       </p:ext>
     </p:extLst>
   </p:cSld>
@@ -6109,7 +5633,7 @@
           <a:p>
             <a:r>
               <a:rPr lang="en-US" sz="3600" b="1" dirty="0"/>
-              <a:t>Four other models</a:t>
+              <a:t>Assumptions</a:t>
             </a:r>
           </a:p>
         </p:txBody>
@@ -6144,53 +5668,48 @@
           <a:p>
             <a:r>
               <a:rPr lang="en-US" dirty="0"/>
-              <a:t>Online Moving Average Reversion (‘OLMAR’)</a:t>
+              <a:t>1) Transaction cost: </a:t>
             </a:r>
           </a:p>
           <a:p>
             <a:pPr lvl="1"/>
             <a:r>
               <a:rPr lang="en-US" dirty="0"/>
-              <a:t>predicts the next price relative using moving averages and explores the multi-period mean reversion</a:t>
+              <a:t>we assume no transaction cost or taxes in this PS model;</a:t>
+            </a:r>
+          </a:p>
+          <a:p>
+            <a:r>
+              <a:rPr lang="en-US" dirty="0"/>
+              <a:t>2) Market liquidity: </a:t>
             </a:r>
           </a:p>
           <a:p>
             <a:pPr lvl="1"/>
             <a:r>
               <a:rPr lang="en-US" dirty="0"/>
-              <a:t>Cannot exempt from the influence of noise and outliers</a:t>
+              <a:t>we assume that one can buy and sell required quantities at last closing price of any given trading period;</a:t>
             </a:r>
           </a:p>
           <a:p>
             <a:r>
               <a:rPr lang="en-US" dirty="0"/>
-              <a:t>Market</a:t>
+              <a:t>3) Impact cost: </a:t>
             </a:r>
           </a:p>
           <a:p>
             <a:pPr lvl="1"/>
             <a:r>
               <a:rPr lang="en-US" dirty="0"/>
-              <a:t>buys assets according to a pre-defined weight and holds until the end.</a:t>
-            </a:r>
-          </a:p>
-          <a:p>
-            <a:pPr lvl="1"/>
-            <a:r>
-              <a:rPr lang="en-US" dirty="0"/>
-              <a:t>In the experiment, we used equal weight.</a:t>
-            </a:r>
-          </a:p>
-          <a:p>
-            <a:pPr lvl="1"/>
-            <a:endParaRPr lang="en-US" dirty="0"/>
+              <a:t>we assume that market behavior is not affected by a PS strategy.</a:t>
+            </a:r>
           </a:p>
         </p:txBody>
       </p:sp>
     </p:spTree>
     <p:extLst>
       <p:ext uri="{BB962C8B-B14F-4D97-AF65-F5344CB8AC3E}">
-        <p14:creationId xmlns:p14="http://schemas.microsoft.com/office/powerpoint/2010/main" val="3288216775"/>
+        <p14:creationId xmlns:p14="http://schemas.microsoft.com/office/powerpoint/2010/main" val="1014962979"/>
       </p:ext>
     </p:extLst>
   </p:cSld>
@@ -12135,139 +11654,6 @@
           <a:p>
             <a:r>
               <a:rPr lang="en-US" sz="3600" b="1" dirty="0"/>
-              <a:t>Assumptions</a:t>
-            </a:r>
-          </a:p>
-        </p:txBody>
-      </p:sp>
-      <p:sp>
-        <p:nvSpPr>
-          <p:cNvPr id="3" name="Content Placeholder 2">
-            <a:extLst>
-              <a:ext uri="{FF2B5EF4-FFF2-40B4-BE49-F238E27FC236}">
-                <a16:creationId xmlns:a16="http://schemas.microsoft.com/office/drawing/2014/main" id="{D7C90E8F-C088-4454-A465-416E6238896F}"/>
-              </a:ext>
-            </a:extLst>
-          </p:cNvPr>
-          <p:cNvSpPr>
-            <a:spLocks noGrp="1"/>
-          </p:cNvSpPr>
-          <p:nvPr>
-            <p:ph idx="1"/>
-          </p:nvPr>
-        </p:nvSpPr>
-        <p:spPr>
-          <a:xfrm>
-            <a:off x="838200" y="1437968"/>
-            <a:ext cx="10515600" cy="4738995"/>
-          </a:xfrm>
-        </p:spPr>
-        <p:txBody>
-          <a:bodyPr>
-            <a:normAutofit/>
-          </a:bodyPr>
-          <a:lstStyle/>
-          <a:p>
-            <a:r>
-              <a:rPr lang="en-US" dirty="0"/>
-              <a:t>1) Transaction cost: </a:t>
-            </a:r>
-          </a:p>
-          <a:p>
-            <a:pPr lvl="1"/>
-            <a:r>
-              <a:rPr lang="en-US" dirty="0"/>
-              <a:t>we assume no transaction cost or taxes in this PS model;</a:t>
-            </a:r>
-          </a:p>
-          <a:p>
-            <a:r>
-              <a:rPr lang="en-US" dirty="0"/>
-              <a:t>2) Market liquidity: </a:t>
-            </a:r>
-          </a:p>
-          <a:p>
-            <a:pPr lvl="1"/>
-            <a:r>
-              <a:rPr lang="en-US" dirty="0"/>
-              <a:t>we assume that one can buy and sell required quantities at last closing price of any given trading period;</a:t>
-            </a:r>
-          </a:p>
-          <a:p>
-            <a:r>
-              <a:rPr lang="en-US" dirty="0"/>
-              <a:t>3) Impact cost: </a:t>
-            </a:r>
-          </a:p>
-          <a:p>
-            <a:pPr lvl="1"/>
-            <a:r>
-              <a:rPr lang="en-US" dirty="0"/>
-              <a:t>we assume that market behavior is not affected by a PS strategy.</a:t>
-            </a:r>
-          </a:p>
-        </p:txBody>
-      </p:sp>
-    </p:spTree>
-    <p:extLst>
-      <p:ext uri="{BB962C8B-B14F-4D97-AF65-F5344CB8AC3E}">
-        <p14:creationId xmlns:p14="http://schemas.microsoft.com/office/powerpoint/2010/main" val="1014962979"/>
-      </p:ext>
-    </p:extLst>
-  </p:cSld>
-  <p:clrMapOvr>
-    <a:masterClrMapping/>
-  </p:clrMapOvr>
-</p:sld>
-</file>
-
-<file path=ppt/slides/slide8.xml><?xml version="1.0" encoding="utf-8"?>
-<p:sld xmlns:a="http://schemas.openxmlformats.org/drawingml/2006/main" xmlns:r="http://schemas.openxmlformats.org/officeDocument/2006/relationships" xmlns:p="http://schemas.openxmlformats.org/presentationml/2006/main">
-  <p:cSld>
-    <p:spTree>
-      <p:nvGrpSpPr>
-        <p:cNvPr id="1" name=""/>
-        <p:cNvGrpSpPr/>
-        <p:nvPr/>
-      </p:nvGrpSpPr>
-      <p:grpSpPr>
-        <a:xfrm>
-          <a:off x="0" y="0"/>
-          <a:ext cx="0" cy="0"/>
-          <a:chOff x="0" y="0"/>
-          <a:chExt cx="0" cy="0"/>
-        </a:xfrm>
-      </p:grpSpPr>
-      <p:sp>
-        <p:nvSpPr>
-          <p:cNvPr id="2" name="Title 1">
-            <a:extLst>
-              <a:ext uri="{FF2B5EF4-FFF2-40B4-BE49-F238E27FC236}">
-                <a16:creationId xmlns:a16="http://schemas.microsoft.com/office/drawing/2014/main" id="{D5BC4DA5-A0EC-4FCB-94AC-DDE59D2CDE59}"/>
-              </a:ext>
-            </a:extLst>
-          </p:cNvPr>
-          <p:cNvSpPr>
-            <a:spLocks noGrp="1"/>
-          </p:cNvSpPr>
-          <p:nvPr>
-            <p:ph type="title"/>
-          </p:nvPr>
-        </p:nvSpPr>
-        <p:spPr>
-          <a:xfrm>
-            <a:off x="838200" y="770706"/>
-            <a:ext cx="10515600" cy="519778"/>
-          </a:xfrm>
-        </p:spPr>
-        <p:txBody>
-          <a:bodyPr>
-            <a:noAutofit/>
-          </a:bodyPr>
-          <a:lstStyle/>
-          <a:p>
-            <a:r>
-              <a:rPr lang="en-US" sz="3600" b="1" dirty="0"/>
               <a:t>Mean Reversion</a:t>
             </a:r>
           </a:p>
@@ -12776,7 +12162,7 @@
 </p:sld>
 </file>
 
-<file path=ppt/slides/slide9.xml><?xml version="1.0" encoding="utf-8"?>
+<file path=ppt/slides/slide8.xml><?xml version="1.0" encoding="utf-8"?>
 <p:sld xmlns:a="http://schemas.openxmlformats.org/drawingml/2006/main" xmlns:r="http://schemas.openxmlformats.org/officeDocument/2006/relationships" xmlns:p="http://schemas.openxmlformats.org/presentationml/2006/main">
   <p:cSld>
     <p:spTree>
@@ -13701,6 +13087,620 @@
     <p:extLst>
       <p:ext uri="{BB962C8B-B14F-4D97-AF65-F5344CB8AC3E}">
         <p14:creationId xmlns:p14="http://schemas.microsoft.com/office/powerpoint/2010/main" val="4213547648"/>
+      </p:ext>
+    </p:extLst>
+  </p:cSld>
+  <p:clrMapOvr>
+    <a:masterClrMapping/>
+  </p:clrMapOvr>
+</p:sld>
+</file>
+
+<file path=ppt/slides/slide9.xml><?xml version="1.0" encoding="utf-8"?>
+<p:sld xmlns:a="http://schemas.openxmlformats.org/drawingml/2006/main" xmlns:r="http://schemas.openxmlformats.org/officeDocument/2006/relationships" xmlns:p="http://schemas.openxmlformats.org/presentationml/2006/main">
+  <p:cSld>
+    <p:spTree>
+      <p:nvGrpSpPr>
+        <p:cNvPr id="1" name=""/>
+        <p:cNvGrpSpPr/>
+        <p:nvPr/>
+      </p:nvGrpSpPr>
+      <p:grpSpPr>
+        <a:xfrm>
+          <a:off x="0" y="0"/>
+          <a:ext cx="0" cy="0"/>
+          <a:chOff x="0" y="0"/>
+          <a:chExt cx="0" cy="0"/>
+        </a:xfrm>
+      </p:grpSpPr>
+      <p:sp>
+        <p:nvSpPr>
+          <p:cNvPr id="2" name="Title 1">
+            <a:extLst>
+              <a:ext uri="{FF2B5EF4-FFF2-40B4-BE49-F238E27FC236}">
+                <a16:creationId xmlns:a16="http://schemas.microsoft.com/office/drawing/2014/main" id="{D5BC4DA5-A0EC-4FCB-94AC-DDE59D2CDE59}"/>
+              </a:ext>
+            </a:extLst>
+          </p:cNvPr>
+          <p:cNvSpPr>
+            <a:spLocks noGrp="1"/>
+          </p:cNvSpPr>
+          <p:nvPr>
+            <p:ph type="title"/>
+          </p:nvPr>
+        </p:nvSpPr>
+        <p:spPr>
+          <a:xfrm>
+            <a:off x="838200" y="521324"/>
+            <a:ext cx="10515600" cy="519778"/>
+          </a:xfrm>
+        </p:spPr>
+        <p:txBody>
+          <a:bodyPr>
+            <a:noAutofit/>
+          </a:bodyPr>
+          <a:lstStyle/>
+          <a:p>
+            <a:r>
+              <a:rPr lang="en-US" sz="3600" b="1" dirty="0"/>
+              <a:t>Robust Mean Reversion (‘RMR’) – 2</a:t>
+            </a:r>
+            <a:r>
+              <a:rPr lang="en-US" sz="3600" b="1" baseline="30000" dirty="0"/>
+              <a:t>nd</a:t>
+            </a:r>
+            <a:r>
+              <a:rPr lang="en-US" sz="3600" b="1" dirty="0"/>
+              <a:t> Optimization Problem</a:t>
+            </a:r>
+          </a:p>
+        </p:txBody>
+      </p:sp>
+      <mc:AlternateContent xmlns:mc="http://schemas.openxmlformats.org/markup-compatibility/2006">
+        <mc:Choice xmlns:a14="http://schemas.microsoft.com/office/drawing/2010/main" Requires="a14">
+          <p:sp>
+            <p:nvSpPr>
+              <p:cNvPr id="3" name="Content Placeholder 2">
+                <a:extLst>
+                  <a:ext uri="{FF2B5EF4-FFF2-40B4-BE49-F238E27FC236}">
+                    <a16:creationId xmlns:a16="http://schemas.microsoft.com/office/drawing/2014/main" id="{D7C90E8F-C088-4454-A465-416E6238896F}"/>
+                  </a:ext>
+                </a:extLst>
+              </p:cNvPr>
+              <p:cNvSpPr>
+                <a:spLocks noGrp="1"/>
+              </p:cNvSpPr>
+              <p:nvPr>
+                <p:ph idx="1"/>
+              </p:nvPr>
+            </p:nvSpPr>
+            <p:spPr>
+              <a:xfrm>
+                <a:off x="838200" y="1437968"/>
+                <a:ext cx="10515600" cy="4738995"/>
+              </a:xfrm>
+            </p:spPr>
+            <p:txBody>
+              <a:bodyPr>
+                <a:normAutofit/>
+              </a:bodyPr>
+              <a:lstStyle/>
+              <a:p>
+                <a:r>
+                  <a:rPr lang="en-US" altLang="zh-CN" dirty="0"/>
+                  <a:t>Portfolio Vector</a:t>
+                </a:r>
+              </a:p>
+              <a:p>
+                <a:pPr lvl="2"/>
+                <a14:m>
+                  <m:oMath xmlns:m="http://schemas.openxmlformats.org/officeDocument/2006/math">
+                    <m:sSub>
+                      <m:sSubPr>
+                        <m:ctrlPr>
+                          <a:rPr lang="en-US" b="0" i="1" smtClean="0">
+                            <a:latin typeface="Cambria Math" panose="02040503050406030204" pitchFamily="18" charset="0"/>
+                            <a:ea typeface="Cambria Math" panose="02040503050406030204" pitchFamily="18" charset="0"/>
+                          </a:rPr>
+                        </m:ctrlPr>
+                      </m:sSubPr>
+                      <m:e>
+                        <m:r>
+                          <a:rPr lang="en-US" b="0" i="1" smtClean="0">
+                            <a:latin typeface="Cambria Math" panose="02040503050406030204" pitchFamily="18" charset="0"/>
+                            <a:ea typeface="Cambria Math" panose="02040503050406030204" pitchFamily="18" charset="0"/>
+                          </a:rPr>
+                          <m:t>𝑏</m:t>
+                        </m:r>
+                      </m:e>
+                      <m:sub>
+                        <m:r>
+                          <a:rPr lang="en-US" b="0" i="1" smtClean="0">
+                            <a:latin typeface="Cambria Math" panose="02040503050406030204" pitchFamily="18" charset="0"/>
+                            <a:ea typeface="Cambria Math" panose="02040503050406030204" pitchFamily="18" charset="0"/>
+                          </a:rPr>
+                          <m:t>𝑡</m:t>
+                        </m:r>
+                        <m:r>
+                          <a:rPr lang="en-US" b="0" i="1" smtClean="0">
+                            <a:latin typeface="Cambria Math" panose="02040503050406030204" pitchFamily="18" charset="0"/>
+                            <a:ea typeface="Cambria Math" panose="02040503050406030204" pitchFamily="18" charset="0"/>
+                          </a:rPr>
+                          <m:t>+1</m:t>
+                        </m:r>
+                      </m:sub>
+                    </m:sSub>
+                    <m:r>
+                      <a:rPr lang="en-US" b="0" i="1" smtClean="0">
+                        <a:latin typeface="Cambria Math" panose="02040503050406030204" pitchFamily="18" charset="0"/>
+                        <a:ea typeface="Cambria Math" panose="02040503050406030204" pitchFamily="18" charset="0"/>
+                      </a:rPr>
+                      <m:t>= </m:t>
+                    </m:r>
+                    <m:sSub>
+                      <m:sSubPr>
+                        <m:ctrlPr>
+                          <a:rPr lang="en-US" b="0" i="1" smtClean="0">
+                            <a:latin typeface="Cambria Math" panose="02040503050406030204" pitchFamily="18" charset="0"/>
+                            <a:ea typeface="Cambria Math" panose="02040503050406030204" pitchFamily="18" charset="0"/>
+                          </a:rPr>
+                        </m:ctrlPr>
+                      </m:sSubPr>
+                      <m:e>
+                        <m:r>
+                          <a:rPr lang="en-US" b="0" i="1" smtClean="0">
+                            <a:latin typeface="Cambria Math" panose="02040503050406030204" pitchFamily="18" charset="0"/>
+                            <a:ea typeface="Cambria Math" panose="02040503050406030204" pitchFamily="18" charset="0"/>
+                          </a:rPr>
+                          <m:t>𝑎𝑟𝑔𝑚𝑖𝑛</m:t>
+                        </m:r>
+                      </m:e>
+                      <m:sub>
+                        <m:r>
+                          <a:rPr lang="en-US" b="0" i="1" smtClean="0">
+                            <a:latin typeface="Cambria Math" panose="02040503050406030204" pitchFamily="18" charset="0"/>
+                            <a:ea typeface="Cambria Math" panose="02040503050406030204" pitchFamily="18" charset="0"/>
+                          </a:rPr>
+                          <m:t>𝑏</m:t>
+                        </m:r>
+                        <m:r>
+                          <a:rPr lang="en-US" b="0" i="1" smtClean="0">
+                            <a:latin typeface="Cambria Math" panose="02040503050406030204" pitchFamily="18" charset="0"/>
+                            <a:ea typeface="Cambria Math" panose="02040503050406030204" pitchFamily="18" charset="0"/>
+                          </a:rPr>
+                          <m:t>∈∆</m:t>
+                        </m:r>
+                        <m:r>
+                          <a:rPr lang="en-US" b="0" i="1" smtClean="0">
+                            <a:latin typeface="Cambria Math" panose="02040503050406030204" pitchFamily="18" charset="0"/>
+                            <a:ea typeface="Cambria Math" panose="02040503050406030204" pitchFamily="18" charset="0"/>
+                          </a:rPr>
+                          <m:t>𝑑</m:t>
+                        </m:r>
+                      </m:sub>
+                    </m:sSub>
+                    <m:sSup>
+                      <m:sSupPr>
+                        <m:ctrlPr>
+                          <a:rPr lang="en-US" b="0" i="1" smtClean="0">
+                            <a:latin typeface="Cambria Math" panose="02040503050406030204" pitchFamily="18" charset="0"/>
+                            <a:ea typeface="Cambria Math" panose="02040503050406030204" pitchFamily="18" charset="0"/>
+                          </a:rPr>
+                        </m:ctrlPr>
+                      </m:sSupPr>
+                      <m:e>
+                        <m:f>
+                          <m:fPr>
+                            <m:ctrlPr>
+                              <a:rPr lang="en-US" b="0" i="1" smtClean="0">
+                                <a:latin typeface="Cambria Math" panose="02040503050406030204" pitchFamily="18" charset="0"/>
+                                <a:ea typeface="Cambria Math" panose="02040503050406030204" pitchFamily="18" charset="0"/>
+                              </a:rPr>
+                            </m:ctrlPr>
+                          </m:fPr>
+                          <m:num>
+                            <m:r>
+                              <a:rPr lang="en-US" b="0" i="1" smtClean="0">
+                                <a:latin typeface="Cambria Math" panose="02040503050406030204" pitchFamily="18" charset="0"/>
+                                <a:ea typeface="Cambria Math" panose="02040503050406030204" pitchFamily="18" charset="0"/>
+                              </a:rPr>
+                              <m:t>1</m:t>
+                            </m:r>
+                          </m:num>
+                          <m:den>
+                            <m:r>
+                              <a:rPr lang="en-US" b="0" i="1" smtClean="0">
+                                <a:latin typeface="Cambria Math" panose="02040503050406030204" pitchFamily="18" charset="0"/>
+                                <a:ea typeface="Cambria Math" panose="02040503050406030204" pitchFamily="18" charset="0"/>
+                              </a:rPr>
+                              <m:t>2</m:t>
+                            </m:r>
+                          </m:den>
+                        </m:f>
+                        <m:d>
+                          <m:dPr>
+                            <m:begChr m:val="‖"/>
+                            <m:endChr m:val="‖"/>
+                            <m:ctrlPr>
+                              <a:rPr lang="en-US" b="0" i="1" smtClean="0">
+                                <a:latin typeface="Cambria Math" panose="02040503050406030204" pitchFamily="18" charset="0"/>
+                                <a:ea typeface="Cambria Math" panose="02040503050406030204" pitchFamily="18" charset="0"/>
+                              </a:rPr>
+                            </m:ctrlPr>
+                          </m:dPr>
+                          <m:e>
+                            <m:r>
+                              <a:rPr lang="en-US" b="0" i="1" smtClean="0">
+                                <a:latin typeface="Cambria Math" panose="02040503050406030204" pitchFamily="18" charset="0"/>
+                                <a:ea typeface="Cambria Math" panose="02040503050406030204" pitchFamily="18" charset="0"/>
+                              </a:rPr>
+                              <m:t>𝑏</m:t>
+                            </m:r>
+                            <m:r>
+                              <a:rPr lang="en-US" b="0" i="1" smtClean="0">
+                                <a:latin typeface="Cambria Math" panose="02040503050406030204" pitchFamily="18" charset="0"/>
+                                <a:ea typeface="Cambria Math" panose="02040503050406030204" pitchFamily="18" charset="0"/>
+                              </a:rPr>
+                              <m:t>−</m:t>
+                            </m:r>
+                            <m:sSub>
+                              <m:sSubPr>
+                                <m:ctrlPr>
+                                  <a:rPr lang="en-US" b="0" i="1" smtClean="0">
+                                    <a:latin typeface="Cambria Math" panose="02040503050406030204" pitchFamily="18" charset="0"/>
+                                    <a:ea typeface="Cambria Math" panose="02040503050406030204" pitchFamily="18" charset="0"/>
+                                  </a:rPr>
+                                </m:ctrlPr>
+                              </m:sSubPr>
+                              <m:e>
+                                <m:r>
+                                  <a:rPr lang="en-US" b="0" i="1" smtClean="0">
+                                    <a:latin typeface="Cambria Math" panose="02040503050406030204" pitchFamily="18" charset="0"/>
+                                    <a:ea typeface="Cambria Math" panose="02040503050406030204" pitchFamily="18" charset="0"/>
+                                  </a:rPr>
+                                  <m:t>𝑏</m:t>
+                                </m:r>
+                              </m:e>
+                              <m:sub>
+                                <m:r>
+                                  <a:rPr lang="en-US" b="0" i="1" smtClean="0">
+                                    <a:latin typeface="Cambria Math" panose="02040503050406030204" pitchFamily="18" charset="0"/>
+                                    <a:ea typeface="Cambria Math" panose="02040503050406030204" pitchFamily="18" charset="0"/>
+                                  </a:rPr>
+                                  <m:t>𝑡</m:t>
+                                </m:r>
+                              </m:sub>
+                            </m:sSub>
+                          </m:e>
+                        </m:d>
+                      </m:e>
+                      <m:sup>
+                        <m:r>
+                          <a:rPr lang="en-US" b="0" i="1" smtClean="0">
+                            <a:latin typeface="Cambria Math" panose="02040503050406030204" pitchFamily="18" charset="0"/>
+                            <a:ea typeface="Cambria Math" panose="02040503050406030204" pitchFamily="18" charset="0"/>
+                          </a:rPr>
+                          <m:t>2</m:t>
+                        </m:r>
+                      </m:sup>
+                    </m:sSup>
+                    <m:r>
+                      <a:rPr lang="en-US" b="0" i="0" smtClean="0">
+                        <a:latin typeface="Cambria Math" panose="02040503050406030204" pitchFamily="18" charset="0"/>
+                        <a:ea typeface="Cambria Math" panose="02040503050406030204" pitchFamily="18" charset="0"/>
+                      </a:rPr>
+                      <m:t> </m:t>
+                    </m:r>
+                    <m:r>
+                      <a:rPr lang="en-US" b="0" i="1" smtClean="0">
+                        <a:latin typeface="Cambria Math" panose="02040503050406030204" pitchFamily="18" charset="0"/>
+                        <a:ea typeface="Cambria Math" panose="02040503050406030204" pitchFamily="18" charset="0"/>
+                      </a:rPr>
+                      <m:t>𝑠</m:t>
+                    </m:r>
+                    <m:r>
+                      <a:rPr lang="en-US" b="0" i="1" smtClean="0">
+                        <a:latin typeface="Cambria Math" panose="02040503050406030204" pitchFamily="18" charset="0"/>
+                        <a:ea typeface="Cambria Math" panose="02040503050406030204" pitchFamily="18" charset="0"/>
+                      </a:rPr>
+                      <m:t>.</m:t>
+                    </m:r>
+                    <m:r>
+                      <a:rPr lang="en-US" b="0" i="1" smtClean="0">
+                        <a:latin typeface="Cambria Math" panose="02040503050406030204" pitchFamily="18" charset="0"/>
+                        <a:ea typeface="Cambria Math" panose="02040503050406030204" pitchFamily="18" charset="0"/>
+                      </a:rPr>
+                      <m:t>𝑡</m:t>
+                    </m:r>
+                    <m:r>
+                      <a:rPr lang="en-US" b="0" i="1" smtClean="0">
+                        <a:latin typeface="Cambria Math" panose="02040503050406030204" pitchFamily="18" charset="0"/>
+                        <a:ea typeface="Cambria Math" panose="02040503050406030204" pitchFamily="18" charset="0"/>
+                      </a:rPr>
+                      <m:t>.  </m:t>
+                    </m:r>
+                    <m:sSup>
+                      <m:sSupPr>
+                        <m:ctrlPr>
+                          <a:rPr lang="en-US" b="0" i="1" smtClean="0">
+                            <a:latin typeface="Cambria Math" panose="02040503050406030204" pitchFamily="18" charset="0"/>
+                            <a:ea typeface="Cambria Math" panose="02040503050406030204" pitchFamily="18" charset="0"/>
+                          </a:rPr>
+                        </m:ctrlPr>
+                      </m:sSupPr>
+                      <m:e>
+                        <m:r>
+                          <a:rPr lang="en-US" b="0" i="1" smtClean="0">
+                            <a:latin typeface="Cambria Math" panose="02040503050406030204" pitchFamily="18" charset="0"/>
+                            <a:ea typeface="Cambria Math" panose="02040503050406030204" pitchFamily="18" charset="0"/>
+                          </a:rPr>
+                          <m:t>𝑏</m:t>
+                        </m:r>
+                      </m:e>
+                      <m:sup>
+                        <m:r>
+                          <a:rPr lang="en-US" b="0" i="1" smtClean="0">
+                            <a:latin typeface="Cambria Math" panose="02040503050406030204" pitchFamily="18" charset="0"/>
+                            <a:ea typeface="Cambria Math" panose="02040503050406030204" pitchFamily="18" charset="0"/>
+                          </a:rPr>
+                          <m:t>𝑇</m:t>
+                        </m:r>
+                      </m:sup>
+                    </m:sSup>
+                    <m:sSub>
+                      <m:sSubPr>
+                        <m:ctrlPr>
+                          <a:rPr lang="en-US" b="0" i="1" smtClean="0">
+                            <a:latin typeface="Cambria Math" panose="02040503050406030204" pitchFamily="18" charset="0"/>
+                            <a:ea typeface="Cambria Math" panose="02040503050406030204" pitchFamily="18" charset="0"/>
+                          </a:rPr>
+                        </m:ctrlPr>
+                      </m:sSubPr>
+                      <m:e>
+                        <m:acc>
+                          <m:accPr>
+                            <m:chr m:val="̃"/>
+                            <m:ctrlPr>
+                              <a:rPr lang="en-US" b="0" i="1" smtClean="0">
+                                <a:latin typeface="Cambria Math" panose="02040503050406030204" pitchFamily="18" charset="0"/>
+                                <a:ea typeface="Cambria Math" panose="02040503050406030204" pitchFamily="18" charset="0"/>
+                              </a:rPr>
+                            </m:ctrlPr>
+                          </m:accPr>
+                          <m:e>
+                            <m:r>
+                              <a:rPr lang="en-US" b="0" i="1" smtClean="0">
+                                <a:latin typeface="Cambria Math" panose="02040503050406030204" pitchFamily="18" charset="0"/>
+                                <a:ea typeface="Cambria Math" panose="02040503050406030204" pitchFamily="18" charset="0"/>
+                              </a:rPr>
+                              <m:t>𝑥</m:t>
+                            </m:r>
+                          </m:e>
+                        </m:acc>
+                      </m:e>
+                      <m:sub>
+                        <m:r>
+                          <a:rPr lang="en-US" b="0" i="1" smtClean="0">
+                            <a:latin typeface="Cambria Math" panose="02040503050406030204" pitchFamily="18" charset="0"/>
+                            <a:ea typeface="Cambria Math" panose="02040503050406030204" pitchFamily="18" charset="0"/>
+                          </a:rPr>
+                          <m:t>𝑡</m:t>
+                        </m:r>
+                        <m:r>
+                          <a:rPr lang="en-US" b="0" i="1" smtClean="0">
+                            <a:latin typeface="Cambria Math" panose="02040503050406030204" pitchFamily="18" charset="0"/>
+                            <a:ea typeface="Cambria Math" panose="02040503050406030204" pitchFamily="18" charset="0"/>
+                          </a:rPr>
+                          <m:t>+1</m:t>
+                        </m:r>
+                      </m:sub>
+                    </m:sSub>
+                    <m:r>
+                      <a:rPr lang="en-US" b="0" i="1" smtClean="0">
+                        <a:latin typeface="Cambria Math" panose="02040503050406030204" pitchFamily="18" charset="0"/>
+                        <a:ea typeface="Cambria Math" panose="02040503050406030204" pitchFamily="18" charset="0"/>
+                      </a:rPr>
+                      <m:t>≥</m:t>
+                    </m:r>
+                    <m:r>
+                      <a:rPr lang="en-US" b="0" i="1" smtClean="0">
+                        <a:latin typeface="Cambria Math" panose="02040503050406030204" pitchFamily="18" charset="0"/>
+                        <a:ea typeface="Cambria Math" panose="02040503050406030204" pitchFamily="18" charset="0"/>
+                      </a:rPr>
+                      <m:t>𝜀</m:t>
+                    </m:r>
+                  </m:oMath>
+                </a14:m>
+                <a:r>
+                  <a:rPr lang="en-US" dirty="0"/>
+                  <a:t>.</a:t>
+                </a:r>
+              </a:p>
+              <a:p>
+                <a:pPr lvl="1"/>
+                <a:endParaRPr lang="en-US" dirty="0"/>
+              </a:p>
+              <a:p>
+                <a:pPr lvl="1"/>
+                <a:r>
+                  <a:rPr lang="en-US" dirty="0"/>
+                  <a:t>The above formulation attempts to find an optimal portfolio by minimizing the deviation from last portfolio </a:t>
+                </a:r>
+                <a14:m>
+                  <m:oMath xmlns:m="http://schemas.openxmlformats.org/officeDocument/2006/math">
+                    <m:sSub>
+                      <m:sSubPr>
+                        <m:ctrlPr>
+                          <a:rPr lang="en-US" i="1" smtClean="0">
+                            <a:latin typeface="Cambria Math" panose="02040503050406030204" pitchFamily="18" charset="0"/>
+                          </a:rPr>
+                        </m:ctrlPr>
+                      </m:sSubPr>
+                      <m:e>
+                        <m:r>
+                          <a:rPr lang="en-US" altLang="zh-CN" i="1">
+                            <a:latin typeface="Cambria Math" panose="02040503050406030204" pitchFamily="18" charset="0"/>
+                          </a:rPr>
+                          <m:t>𝑏</m:t>
+                        </m:r>
+                      </m:e>
+                      <m:sub>
+                        <m:r>
+                          <a:rPr lang="en-US" b="0" i="1" smtClean="0">
+                            <a:latin typeface="Cambria Math" panose="02040503050406030204" pitchFamily="18" charset="0"/>
+                          </a:rPr>
+                          <m:t>𝑡</m:t>
+                        </m:r>
+                      </m:sub>
+                    </m:sSub>
+                  </m:oMath>
+                </a14:m>
+                <a:r>
+                  <a:rPr lang="en-US" dirty="0"/>
+                  <a:t> under the condition of </a:t>
+                </a:r>
+                <a14:m>
+                  <m:oMath xmlns:m="http://schemas.openxmlformats.org/officeDocument/2006/math">
+                    <m:sSup>
+                      <m:sSupPr>
+                        <m:ctrlPr>
+                          <a:rPr lang="en-US" i="1" smtClean="0">
+                            <a:latin typeface="Cambria Math" panose="02040503050406030204" pitchFamily="18" charset="0"/>
+                          </a:rPr>
+                        </m:ctrlPr>
+                      </m:sSupPr>
+                      <m:e>
+                        <m:r>
+                          <a:rPr lang="en-US" b="0" i="1" smtClean="0">
+                            <a:latin typeface="Cambria Math" panose="02040503050406030204" pitchFamily="18" charset="0"/>
+                          </a:rPr>
+                          <m:t>𝑏</m:t>
+                        </m:r>
+                      </m:e>
+                      <m:sup>
+                        <m:r>
+                          <a:rPr lang="en-US" b="0" i="1" smtClean="0">
+                            <a:latin typeface="Cambria Math" panose="02040503050406030204" pitchFamily="18" charset="0"/>
+                          </a:rPr>
+                          <m:t>𝑇</m:t>
+                        </m:r>
+                      </m:sup>
+                    </m:sSup>
+                    <m:sSub>
+                      <m:sSubPr>
+                        <m:ctrlPr>
+                          <a:rPr lang="en-US" i="1" smtClean="0">
+                            <a:latin typeface="Cambria Math" panose="02040503050406030204" pitchFamily="18" charset="0"/>
+                          </a:rPr>
+                        </m:ctrlPr>
+                      </m:sSubPr>
+                      <m:e>
+                        <m:acc>
+                          <m:accPr>
+                            <m:chr m:val="̃"/>
+                            <m:ctrlPr>
+                              <a:rPr lang="en-US" i="1" smtClean="0">
+                                <a:latin typeface="Cambria Math" panose="02040503050406030204" pitchFamily="18" charset="0"/>
+                              </a:rPr>
+                            </m:ctrlPr>
+                          </m:accPr>
+                          <m:e>
+                            <m:r>
+                              <a:rPr lang="en-US" b="0" i="1" smtClean="0">
+                                <a:latin typeface="Cambria Math" panose="02040503050406030204" pitchFamily="18" charset="0"/>
+                              </a:rPr>
+                              <m:t>𝑥</m:t>
+                            </m:r>
+                          </m:e>
+                        </m:acc>
+                      </m:e>
+                      <m:sub>
+                        <m:r>
+                          <a:rPr lang="en-US" b="0" i="1" smtClean="0">
+                            <a:latin typeface="Cambria Math" panose="02040503050406030204" pitchFamily="18" charset="0"/>
+                          </a:rPr>
+                          <m:t>𝑡</m:t>
+                        </m:r>
+                        <m:r>
+                          <a:rPr lang="en-US" b="0" i="1" smtClean="0">
+                            <a:latin typeface="Cambria Math" panose="02040503050406030204" pitchFamily="18" charset="0"/>
+                          </a:rPr>
+                          <m:t>+1</m:t>
+                        </m:r>
+                      </m:sub>
+                    </m:sSub>
+                    <m:r>
+                      <a:rPr lang="en-US" i="1" smtClean="0">
+                        <a:latin typeface="Cambria Math" panose="02040503050406030204" pitchFamily="18" charset="0"/>
+                        <a:ea typeface="Cambria Math" panose="02040503050406030204" pitchFamily="18" charset="0"/>
+                      </a:rPr>
+                      <m:t>≥</m:t>
+                    </m:r>
+                    <m:r>
+                      <a:rPr lang="en-US" i="1" smtClean="0">
+                        <a:latin typeface="Cambria Math" panose="02040503050406030204" pitchFamily="18" charset="0"/>
+                        <a:ea typeface="Cambria Math" panose="02040503050406030204" pitchFamily="18" charset="0"/>
+                      </a:rPr>
+                      <m:t>𝜀</m:t>
+                    </m:r>
+                  </m:oMath>
+                </a14:m>
+                <a:r>
+                  <a:rPr lang="en-US" dirty="0"/>
+                  <a:t>.</a:t>
+                </a:r>
+              </a:p>
+            </p:txBody>
+          </p:sp>
+        </mc:Choice>
+        <mc:Fallback>
+          <p:sp>
+            <p:nvSpPr>
+              <p:cNvPr id="3" name="Content Placeholder 2">
+                <a:extLst>
+                  <a:ext uri="{FF2B5EF4-FFF2-40B4-BE49-F238E27FC236}">
+                    <a16:creationId xmlns:a16="http://schemas.microsoft.com/office/drawing/2014/main" id="{D7C90E8F-C088-4454-A465-416E6238896F}"/>
+                  </a:ext>
+                </a:extLst>
+              </p:cNvPr>
+              <p:cNvSpPr>
+                <a:spLocks noGrp="1" noRot="1" noChangeAspect="1" noMove="1" noResize="1" noEditPoints="1" noAdjustHandles="1" noChangeArrowheads="1" noChangeShapeType="1" noTextEdit="1"/>
+              </p:cNvSpPr>
+              <p:nvPr>
+                <p:ph idx="1"/>
+              </p:nvPr>
+            </p:nvSpPr>
+            <p:spPr>
+              <a:xfrm>
+                <a:off x="838200" y="1437968"/>
+                <a:ext cx="10515600" cy="4738995"/>
+              </a:xfrm>
+              <a:blipFill>
+                <a:blip r:embed="rId2"/>
+                <a:stretch>
+                  <a:fillRect l="-965" t="-1872"/>
+                </a:stretch>
+              </a:blipFill>
+            </p:spPr>
+            <p:txBody>
+              <a:bodyPr/>
+              <a:lstStyle/>
+              <a:p>
+                <a:r>
+                  <a:rPr lang="en-US">
+                    <a:noFill/>
+                  </a:rPr>
+                  <a:t> </a:t>
+                </a:r>
+              </a:p>
+            </p:txBody>
+          </p:sp>
+        </mc:Fallback>
+      </mc:AlternateContent>
+    </p:spTree>
+    <p:extLst>
+      <p:ext uri="{BB962C8B-B14F-4D97-AF65-F5344CB8AC3E}">
+        <p14:creationId xmlns:p14="http://schemas.microsoft.com/office/powerpoint/2010/main" val="1339065930"/>
       </p:ext>
     </p:extLst>
   </p:cSld>
